--- a/Prezentare_Licenta.pptx
+++ b/Prezentare_Licenta.pptx
@@ -7975,25 +7975,10 @@
               </a:rPr>
               <a:t>Dorința de a călători</a:t>
             </a:r>
-          </a:p>
-          <a:p>
-            <a:pPr marL="171450" lvl="0" indent="-171450" algn="l" rtl="0">
-              <a:spcBef>
-                <a:spcPts val="0"/>
-              </a:spcBef>
-              <a:spcAft>
-                <a:spcPts val="0"/>
-              </a:spcAft>
-              <a:buFont typeface="Arial" panose="020B0604020202020204" pitchFamily="34" charset="0"/>
-              <a:buChar char="•"/>
-            </a:pPr>
-            <a:r>
-              <a:rPr lang="ro-RO" sz="1600" b="1" dirty="0">
-                <a:latin typeface="Cambria Math" panose="02040503050406030204" pitchFamily="18" charset="0"/>
-                <a:ea typeface="Cambria Math" panose="02040503050406030204" pitchFamily="18" charset="0"/>
-              </a:rPr>
-              <a:t>Jocurile video</a:t>
-            </a:r>
+            <a:endParaRPr lang="en-US" sz="1600" b="1" dirty="0">
+              <a:latin typeface="Cambria Math" panose="02040503050406030204" pitchFamily="18" charset="0"/>
+              <a:ea typeface="Cambria Math" panose="02040503050406030204" pitchFamily="18" charset="0"/>
+            </a:endParaRPr>
           </a:p>
           <a:p>
             <a:pPr marL="171450" lvl="0" indent="-171450" algn="l" rtl="0">
@@ -8013,41 +7998,6 @@
               </a:rPr>
               <a:t>Perspective noi</a:t>
             </a:r>
-          </a:p>
-          <a:p>
-            <a:pPr marL="171450" lvl="0" indent="-171450" algn="l" rtl="0">
-              <a:spcBef>
-                <a:spcPts val="0"/>
-              </a:spcBef>
-              <a:spcAft>
-                <a:spcPts val="0"/>
-              </a:spcAft>
-              <a:buFont typeface="Arial" panose="020B0604020202020204" pitchFamily="34" charset="0"/>
-              <a:buChar char="•"/>
-            </a:pPr>
-            <a:r>
-              <a:rPr lang="ro-RO" sz="1600" b="1" dirty="0">
-                <a:latin typeface="Cambria Math" panose="02040503050406030204" pitchFamily="18" charset="0"/>
-                <a:ea typeface="Cambria Math" panose="02040503050406030204" pitchFamily="18" charset="0"/>
-              </a:rPr>
-              <a:t>Dorința de a cunoaște mai multe despre culturila Latino-Americană și Japoneză</a:t>
-            </a:r>
-          </a:p>
-          <a:p>
-            <a:pPr marL="171450" lvl="0" indent="-171450" algn="l" rtl="0">
-              <a:spcBef>
-                <a:spcPts val="0"/>
-              </a:spcBef>
-              <a:spcAft>
-                <a:spcPts val="0"/>
-              </a:spcAft>
-              <a:buFont typeface="Arial" panose="020B0604020202020204" pitchFamily="34" charset="0"/>
-              <a:buChar char="•"/>
-            </a:pPr>
-            <a:endParaRPr sz="1600" b="1" dirty="0">
-              <a:latin typeface="Cambria Math" panose="02040503050406030204" pitchFamily="18" charset="0"/>
-              <a:ea typeface="Cambria Math" panose="02040503050406030204" pitchFamily="18" charset="0"/>
-            </a:endParaRPr>
           </a:p>
         </p:txBody>
       </p:sp>
